--- a/Images/Mathematics/Numbers/Square Number/Square Number.pptx
+++ b/Images/Mathematics/Numbers/Square Number/Square Number.pptx
@@ -5976,8 +5976,8 @@
         </p:blipFill>
         <p:spPr>
           <a:xfrm>
-            <a:off x="6853086" y="1001534"/>
-            <a:ext cx="4895874" cy="1240968"/>
+            <a:off x="7192392" y="1071466"/>
+            <a:ext cx="4300689" cy="1090105"/>
           </a:xfrm>
           <a:prstGeom prst="rect">
             <a:avLst/>
@@ -6090,8 +6090,8 @@
         </p:blipFill>
         <p:spPr>
           <a:xfrm>
-            <a:off x="1880938" y="1079904"/>
-            <a:ext cx="2159652" cy="1926283"/>
+            <a:off x="1996365" y="1071466"/>
+            <a:ext cx="1890962" cy="1686627"/>
           </a:xfrm>
           <a:prstGeom prst="rect">
             <a:avLst/>
